--- a/etnic and laws/Ppt3 - Computer Crime and Computer Crime Act.pptx
+++ b/etnic and laws/Ppt3 - Computer Crime and Computer Crime Act.pptx
@@ -500,7 +500,7 @@
           <a:p>
             <a:fld id="{A44CA4A8-112C-4179-882C-68D1E15C1D20}" type="datetimeFigureOut">
               <a:rPr lang="en-MY" smtClean="0"/>
-              <a:t>11/11/2022</a:t>
+              <a:t>28/11/2022</a:t>
             </a:fld>
             <a:endParaRPr lang="en-MY"/>
           </a:p>
@@ -824,7 +824,7 @@
           <a:p>
             <a:fld id="{A44CA4A8-112C-4179-882C-68D1E15C1D20}" type="datetimeFigureOut">
               <a:rPr lang="en-MY" smtClean="0"/>
-              <a:t>11/11/2022</a:t>
+              <a:t>28/11/2022</a:t>
             </a:fld>
             <a:endParaRPr lang="en-MY"/>
           </a:p>
@@ -1072,7 +1072,7 @@
           <a:p>
             <a:fld id="{A44CA4A8-112C-4179-882C-68D1E15C1D20}" type="datetimeFigureOut">
               <a:rPr lang="en-MY" smtClean="0"/>
-              <a:t>11/11/2022</a:t>
+              <a:t>28/11/2022</a:t>
             </a:fld>
             <a:endParaRPr lang="en-MY"/>
           </a:p>
@@ -1411,7 +1411,7 @@
           <a:p>
             <a:fld id="{A44CA4A8-112C-4179-882C-68D1E15C1D20}" type="datetimeFigureOut">
               <a:rPr lang="en-MY" smtClean="0"/>
-              <a:t>11/11/2022</a:t>
+              <a:t>28/11/2022</a:t>
             </a:fld>
             <a:endParaRPr lang="en-MY"/>
           </a:p>
@@ -1758,7 +1758,7 @@
           <a:p>
             <a:fld id="{A44CA4A8-112C-4179-882C-68D1E15C1D20}" type="datetimeFigureOut">
               <a:rPr lang="en-MY" smtClean="0"/>
-              <a:t>11/11/2022</a:t>
+              <a:t>28/11/2022</a:t>
             </a:fld>
             <a:endParaRPr lang="en-MY"/>
           </a:p>
@@ -2132,7 +2132,7 @@
           <a:p>
             <a:fld id="{A44CA4A8-112C-4179-882C-68D1E15C1D20}" type="datetimeFigureOut">
               <a:rPr lang="en-MY" smtClean="0"/>
-              <a:t>11/11/2022</a:t>
+              <a:t>28/11/2022</a:t>
             </a:fld>
             <a:endParaRPr lang="en-MY"/>
           </a:p>
@@ -2602,7 +2602,7 @@
           <a:p>
             <a:fld id="{A44CA4A8-112C-4179-882C-68D1E15C1D20}" type="datetimeFigureOut">
               <a:rPr lang="en-MY" smtClean="0"/>
-              <a:t>11/11/2022</a:t>
+              <a:t>28/11/2022</a:t>
             </a:fld>
             <a:endParaRPr lang="en-MY"/>
           </a:p>
@@ -2812,7 +2812,7 @@
           <a:p>
             <a:fld id="{A44CA4A8-112C-4179-882C-68D1E15C1D20}" type="datetimeFigureOut">
               <a:rPr lang="en-MY" smtClean="0"/>
-              <a:t>11/11/2022</a:t>
+              <a:t>28/11/2022</a:t>
             </a:fld>
             <a:endParaRPr lang="en-MY"/>
           </a:p>
@@ -3023,7 +3023,7 @@
           <a:p>
             <a:fld id="{A44CA4A8-112C-4179-882C-68D1E15C1D20}" type="datetimeFigureOut">
               <a:rPr lang="en-MY" smtClean="0"/>
-              <a:t>11/11/2022</a:t>
+              <a:t>28/11/2022</a:t>
             </a:fld>
             <a:endParaRPr lang="en-MY"/>
           </a:p>
@@ -3255,7 +3255,7 @@
           <a:p>
             <a:fld id="{A44CA4A8-112C-4179-882C-68D1E15C1D20}" type="datetimeFigureOut">
               <a:rPr lang="en-MY" smtClean="0"/>
-              <a:t>11/11/2022</a:t>
+              <a:t>28/11/2022</a:t>
             </a:fld>
             <a:endParaRPr lang="en-MY"/>
           </a:p>
@@ -3503,7 +3503,7 @@
           <a:p>
             <a:fld id="{A44CA4A8-112C-4179-882C-68D1E15C1D20}" type="datetimeFigureOut">
               <a:rPr lang="en-MY" smtClean="0"/>
-              <a:t>11/11/2022</a:t>
+              <a:t>28/11/2022</a:t>
             </a:fld>
             <a:endParaRPr lang="en-MY"/>
           </a:p>
@@ -3806,7 +3806,7 @@
           <a:p>
             <a:fld id="{A44CA4A8-112C-4179-882C-68D1E15C1D20}" type="datetimeFigureOut">
               <a:rPr lang="en-MY" smtClean="0"/>
-              <a:t>11/11/2022</a:t>
+              <a:t>28/11/2022</a:t>
             </a:fld>
             <a:endParaRPr lang="en-MY"/>
           </a:p>
@@ -4188,7 +4188,7 @@
           <a:p>
             <a:fld id="{A44CA4A8-112C-4179-882C-68D1E15C1D20}" type="datetimeFigureOut">
               <a:rPr lang="en-MY" smtClean="0"/>
-              <a:t>11/11/2022</a:t>
+              <a:t>28/11/2022</a:t>
             </a:fld>
             <a:endParaRPr lang="en-MY"/>
           </a:p>
@@ -4342,7 +4342,7 @@
           <a:p>
             <a:fld id="{A44CA4A8-112C-4179-882C-68D1E15C1D20}" type="datetimeFigureOut">
               <a:rPr lang="en-MY" smtClean="0"/>
-              <a:t>11/11/2022</a:t>
+              <a:t>28/11/2022</a:t>
             </a:fld>
             <a:endParaRPr lang="en-MY"/>
           </a:p>
@@ -4468,7 +4468,7 @@
           <a:p>
             <a:fld id="{A44CA4A8-112C-4179-882C-68D1E15C1D20}" type="datetimeFigureOut">
               <a:rPr lang="en-MY" smtClean="0"/>
-              <a:t>11/11/2022</a:t>
+              <a:t>28/11/2022</a:t>
             </a:fld>
             <a:endParaRPr lang="en-MY"/>
           </a:p>
@@ -4723,7 +4723,7 @@
           <a:p>
             <a:fld id="{A44CA4A8-112C-4179-882C-68D1E15C1D20}" type="datetimeFigureOut">
               <a:rPr lang="en-MY" smtClean="0"/>
-              <a:t>11/11/2022</a:t>
+              <a:t>28/11/2022</a:t>
             </a:fld>
             <a:endParaRPr lang="en-MY"/>
           </a:p>
@@ -5037,7 +5037,7 @@
           <a:p>
             <a:fld id="{A44CA4A8-112C-4179-882C-68D1E15C1D20}" type="datetimeFigureOut">
               <a:rPr lang="en-MY" smtClean="0"/>
-              <a:t>11/11/2022</a:t>
+              <a:t>28/11/2022</a:t>
             </a:fld>
             <a:endParaRPr lang="en-MY"/>
           </a:p>
@@ -5388,7 +5388,7 @@
           <a:p>
             <a:fld id="{A44CA4A8-112C-4179-882C-68D1E15C1D20}" type="datetimeFigureOut">
               <a:rPr lang="en-MY" smtClean="0"/>
-              <a:t>11/11/2022</a:t>
+              <a:t>28/11/2022</a:t>
             </a:fld>
             <a:endParaRPr lang="en-MY"/>
           </a:p>
@@ -7631,7 +7631,7 @@
         </p:blipFill>
         <p:spPr bwMode="auto">
           <a:xfrm>
-            <a:off x="1403648" y="3140968"/>
+            <a:off x="1475656" y="3429000"/>
             <a:ext cx="5904656" cy="3099420"/>
           </a:xfrm>
           <a:prstGeom prst="rect">
